--- a/week03/lecture.pptx
+++ b/week03/lecture.pptx
@@ -4002,10 +4002,6 @@
             <a:pPr lvl="0" indent="0" marL="0">
               <a:buNone/>
             </a:pPr>
-            <a:r>
-              <a:rPr/>
-              <a:t>STUFF</a:t>
-            </a:r>
             <a:br/>
             <a:br/>
             <a:r>
